--- a/doc/slides/Robot-Arm-Forward-Kinematics-Principle.pptx
+++ b/doc/slides/Robot-Arm-Forward-Kinematics-Principle.pptx
@@ -229,7 +229,7 @@
           <a:p>
             <a:fld id="{9BDC461C-9488-4B33-8404-FB69A384252D}" type="datetimeFigureOut">
               <a:rPr kumimoji="1" lang="ja-JP" altLang="en-US" smtClean="0"/>
-              <a:t>2021/3/14</a:t>
+              <a:t>2021/3/16</a:t>
             </a:fld>
             <a:endParaRPr kumimoji="1" lang="ja-JP" altLang="en-US"/>
           </a:p>
@@ -406,7 +406,7 @@
           <a:p>
             <a:fld id="{4F23D6BA-2164-40E7-BA8B-970E642CDFC3}" type="datetimeFigureOut">
               <a:rPr kumimoji="1" lang="ja-JP" altLang="en-US" smtClean="0"/>
-              <a:t>2021/3/14</a:t>
+              <a:t>2021/3/16</a:t>
             </a:fld>
             <a:endParaRPr kumimoji="1" lang="ja-JP" altLang="en-US"/>
           </a:p>
@@ -8216,7 +8216,7 @@
         <p:spPr>
           <a:xfrm>
             <a:off x="4367808" y="2510894"/>
-            <a:ext cx="7272808" cy="2862322"/>
+            <a:ext cx="7272808" cy="3046988"/>
           </a:xfrm>
           <a:prstGeom prst="rect">
             <a:avLst/>
@@ -8228,6 +8228,16 @@
             <a:spAutoFit/>
           </a:bodyPr>
           <a:lstStyle/>
+          <a:p>
+            <a:pPr algn="l"/>
+            <a:r>
+              <a:rPr lang="en-US" altLang="ja-JP" sz="1200" b="1" i="0" u="none" strike="noStrike" dirty="0">
+                <a:latin typeface="Courier New" panose="02070309020205020404" pitchFamily="49" charset="0"/>
+                <a:cs typeface="Courier New" panose="02070309020205020404" pitchFamily="49" charset="0"/>
+              </a:rPr>
+              <a:t>FK-3LinkPlanarArm.nb</a:t>
+            </a:r>
+          </a:p>
           <a:p>
             <a:pPr algn="l"/>
             <a:r>
